--- a/documents/Gofore.pptx
+++ b/documents/Gofore.pptx
@@ -295,7 +295,7 @@
           <a:p>
             <a:fld id="{4D7EBE87-4642-4280-AB80-3B2FC890DFE9}" type="datetimeFigureOut">
               <a:rPr lang="fi-FI" smtClean="0"/>
-              <a:t>16.9.2013</a:t>
+              <a:t>17.9.2013</a:t>
             </a:fld>
             <a:endParaRPr lang="fi-FI"/>
           </a:p>
@@ -465,7 +465,7 @@
           <a:p>
             <a:fld id="{4D7EBE87-4642-4280-AB80-3B2FC890DFE9}" type="datetimeFigureOut">
               <a:rPr lang="fi-FI" smtClean="0"/>
-              <a:t>16.9.2013</a:t>
+              <a:t>17.9.2013</a:t>
             </a:fld>
             <a:endParaRPr lang="fi-FI"/>
           </a:p>
@@ -645,7 +645,7 @@
           <a:p>
             <a:fld id="{4D7EBE87-4642-4280-AB80-3B2FC890DFE9}" type="datetimeFigureOut">
               <a:rPr lang="fi-FI" smtClean="0"/>
-              <a:t>16.9.2013</a:t>
+              <a:t>17.9.2013</a:t>
             </a:fld>
             <a:endParaRPr lang="fi-FI"/>
           </a:p>
@@ -815,7 +815,7 @@
           <a:p>
             <a:fld id="{4D7EBE87-4642-4280-AB80-3B2FC890DFE9}" type="datetimeFigureOut">
               <a:rPr lang="fi-FI" smtClean="0"/>
-              <a:t>16.9.2013</a:t>
+              <a:t>17.9.2013</a:t>
             </a:fld>
             <a:endParaRPr lang="fi-FI"/>
           </a:p>
@@ -1061,7 +1061,7 @@
           <a:p>
             <a:fld id="{4D7EBE87-4642-4280-AB80-3B2FC890DFE9}" type="datetimeFigureOut">
               <a:rPr lang="fi-FI" smtClean="0"/>
-              <a:t>16.9.2013</a:t>
+              <a:t>17.9.2013</a:t>
             </a:fld>
             <a:endParaRPr lang="fi-FI"/>
           </a:p>
@@ -1349,7 +1349,7 @@
           <a:p>
             <a:fld id="{4D7EBE87-4642-4280-AB80-3B2FC890DFE9}" type="datetimeFigureOut">
               <a:rPr lang="fi-FI" smtClean="0"/>
-              <a:t>16.9.2013</a:t>
+              <a:t>17.9.2013</a:t>
             </a:fld>
             <a:endParaRPr lang="fi-FI"/>
           </a:p>
@@ -1771,7 +1771,7 @@
           <a:p>
             <a:fld id="{4D7EBE87-4642-4280-AB80-3B2FC890DFE9}" type="datetimeFigureOut">
               <a:rPr lang="fi-FI" smtClean="0"/>
-              <a:t>16.9.2013</a:t>
+              <a:t>17.9.2013</a:t>
             </a:fld>
             <a:endParaRPr lang="fi-FI"/>
           </a:p>
@@ -1889,7 +1889,7 @@
           <a:p>
             <a:fld id="{4D7EBE87-4642-4280-AB80-3B2FC890DFE9}" type="datetimeFigureOut">
               <a:rPr lang="fi-FI" smtClean="0"/>
-              <a:t>16.9.2013</a:t>
+              <a:t>17.9.2013</a:t>
             </a:fld>
             <a:endParaRPr lang="fi-FI"/>
           </a:p>
@@ -1984,7 +1984,7 @@
           <a:p>
             <a:fld id="{4D7EBE87-4642-4280-AB80-3B2FC890DFE9}" type="datetimeFigureOut">
               <a:rPr lang="fi-FI" smtClean="0"/>
-              <a:t>16.9.2013</a:t>
+              <a:t>17.9.2013</a:t>
             </a:fld>
             <a:endParaRPr lang="fi-FI"/>
           </a:p>
@@ -2261,7 +2261,7 @@
           <a:p>
             <a:fld id="{4D7EBE87-4642-4280-AB80-3B2FC890DFE9}" type="datetimeFigureOut">
               <a:rPr lang="fi-FI" smtClean="0"/>
-              <a:t>16.9.2013</a:t>
+              <a:t>17.9.2013</a:t>
             </a:fld>
             <a:endParaRPr lang="fi-FI"/>
           </a:p>
@@ -2514,7 +2514,7 @@
           <a:p>
             <a:fld id="{4D7EBE87-4642-4280-AB80-3B2FC890DFE9}" type="datetimeFigureOut">
               <a:rPr lang="fi-FI" smtClean="0"/>
-              <a:t>16.9.2013</a:t>
+              <a:t>17.9.2013</a:t>
             </a:fld>
             <a:endParaRPr lang="fi-FI"/>
           </a:p>
@@ -2727,7 +2727,7 @@
           <a:p>
             <a:fld id="{4D7EBE87-4642-4280-AB80-3B2FC890DFE9}" type="datetimeFigureOut">
               <a:rPr lang="fi-FI" smtClean="0"/>
-              <a:t>16.9.2013</a:t>
+              <a:t>17.9.2013</a:t>
             </a:fld>
             <a:endParaRPr lang="fi-FI"/>
           </a:p>
@@ -3790,7 +3790,7 @@
           <a:p>
             <a:r>
               <a:rPr lang="fi-FI" dirty="0" smtClean="0"/>
-              <a:t>Käyttöliittymä 1/n</a:t>
+              <a:t>Käyttöliittymä</a:t>
             </a:r>
             <a:endParaRPr lang="fi-FI" dirty="0"/>
           </a:p>
@@ -3811,6 +3811,9 @@
           <a:bodyPr/>
           <a:lstStyle/>
           <a:p>
+            <a:pPr marL="0" indent="0">
+              <a:buNone/>
+            </a:pPr>
             <a:endParaRPr lang="fi-FI"/>
           </a:p>
         </p:txBody>
